--- a/intro.pptx
+++ b/intro.pptx
@@ -105,6 +105,11 @@
       </a:defRPr>
     </a:lvl9pPr>
   </p:defaultTextStyle>
+  <p:extLst>
+    <p:ext uri="{EFAFB233-063F-42B5-8137-9DF3F51BA10A}">
+      <p15:sldGuideLst xmlns:p15="http://schemas.microsoft.com/office/powerpoint/2012/main"/>
+    </p:ext>
+  </p:extLst>
 </p:presentation>
 </file>
 
@@ -239,7 +244,7 @@
           <a:p>
             <a:fld id="{B3A11A1E-A219-4F7C-B0B4-29C6FF33A56A}" type="datetimeFigureOut">
               <a:rPr lang="en-US" smtClean="0"/>
-              <a:t>6/9/2020</a:t>
+              <a:t>6/10/2020</a:t>
             </a:fld>
             <a:endParaRPr lang="en-US"/>
           </a:p>
@@ -409,7 +414,7 @@
           <a:p>
             <a:fld id="{B3A11A1E-A219-4F7C-B0B4-29C6FF33A56A}" type="datetimeFigureOut">
               <a:rPr lang="en-US" smtClean="0"/>
-              <a:t>6/9/2020</a:t>
+              <a:t>6/10/2020</a:t>
             </a:fld>
             <a:endParaRPr lang="en-US"/>
           </a:p>
@@ -589,7 +594,7 @@
           <a:p>
             <a:fld id="{B3A11A1E-A219-4F7C-B0B4-29C6FF33A56A}" type="datetimeFigureOut">
               <a:rPr lang="en-US" smtClean="0"/>
-              <a:t>6/9/2020</a:t>
+              <a:t>6/10/2020</a:t>
             </a:fld>
             <a:endParaRPr lang="en-US"/>
           </a:p>
@@ -759,7 +764,7 @@
           <a:p>
             <a:fld id="{B3A11A1E-A219-4F7C-B0B4-29C6FF33A56A}" type="datetimeFigureOut">
               <a:rPr lang="en-US" smtClean="0"/>
-              <a:t>6/9/2020</a:t>
+              <a:t>6/10/2020</a:t>
             </a:fld>
             <a:endParaRPr lang="en-US"/>
           </a:p>
@@ -1005,7 +1010,7 @@
           <a:p>
             <a:fld id="{B3A11A1E-A219-4F7C-B0B4-29C6FF33A56A}" type="datetimeFigureOut">
               <a:rPr lang="en-US" smtClean="0"/>
-              <a:t>6/9/2020</a:t>
+              <a:t>6/10/2020</a:t>
             </a:fld>
             <a:endParaRPr lang="en-US"/>
           </a:p>
@@ -1237,7 +1242,7 @@
           <a:p>
             <a:fld id="{B3A11A1E-A219-4F7C-B0B4-29C6FF33A56A}" type="datetimeFigureOut">
               <a:rPr lang="en-US" smtClean="0"/>
-              <a:t>6/9/2020</a:t>
+              <a:t>6/10/2020</a:t>
             </a:fld>
             <a:endParaRPr lang="en-US"/>
           </a:p>
@@ -1604,7 +1609,7 @@
           <a:p>
             <a:fld id="{B3A11A1E-A219-4F7C-B0B4-29C6FF33A56A}" type="datetimeFigureOut">
               <a:rPr lang="en-US" smtClean="0"/>
-              <a:t>6/9/2020</a:t>
+              <a:t>6/10/2020</a:t>
             </a:fld>
             <a:endParaRPr lang="en-US"/>
           </a:p>
@@ -1722,7 +1727,7 @@
           <a:p>
             <a:fld id="{B3A11A1E-A219-4F7C-B0B4-29C6FF33A56A}" type="datetimeFigureOut">
               <a:rPr lang="en-US" smtClean="0"/>
-              <a:t>6/9/2020</a:t>
+              <a:t>6/10/2020</a:t>
             </a:fld>
             <a:endParaRPr lang="en-US"/>
           </a:p>
@@ -1817,7 +1822,7 @@
           <a:p>
             <a:fld id="{B3A11A1E-A219-4F7C-B0B4-29C6FF33A56A}" type="datetimeFigureOut">
               <a:rPr lang="en-US" smtClean="0"/>
-              <a:t>6/9/2020</a:t>
+              <a:t>6/10/2020</a:t>
             </a:fld>
             <a:endParaRPr lang="en-US"/>
           </a:p>
@@ -2094,7 +2099,7 @@
           <a:p>
             <a:fld id="{B3A11A1E-A219-4F7C-B0B4-29C6FF33A56A}" type="datetimeFigureOut">
               <a:rPr lang="en-US" smtClean="0"/>
-              <a:t>6/9/2020</a:t>
+              <a:t>6/10/2020</a:t>
             </a:fld>
             <a:endParaRPr lang="en-US"/>
           </a:p>
@@ -2347,7 +2352,7 @@
           <a:p>
             <a:fld id="{B3A11A1E-A219-4F7C-B0B4-29C6FF33A56A}" type="datetimeFigureOut">
               <a:rPr lang="en-US" smtClean="0"/>
-              <a:t>6/9/2020</a:t>
+              <a:t>6/10/2020</a:t>
             </a:fld>
             <a:endParaRPr lang="en-US"/>
           </a:p>
@@ -2563,7 +2568,7 @@
           <a:p>
             <a:fld id="{B3A11A1E-A219-4F7C-B0B4-29C6FF33A56A}" type="datetimeFigureOut">
               <a:rPr lang="en-US" smtClean="0"/>
-              <a:t>6/9/2020</a:t>
+              <a:t>6/10/2020</a:t>
             </a:fld>
             <a:endParaRPr lang="en-US"/>
           </a:p>
@@ -3050,13 +3055,13 @@
   <p:clrMapOvr>
     <a:masterClrMapping/>
   </p:clrMapOvr>
-  <mc:AlternateContent xmlns:mc="http://schemas.openxmlformats.org/markup-compatibility/2006">
-    <mc:Choice xmlns:p14="http://schemas.microsoft.com/office/powerpoint/2010/main" Requires="p14">
+  <mc:AlternateContent xmlns:mc="http://schemas.openxmlformats.org/markup-compatibility/2006" xmlns:p14="http://schemas.microsoft.com/office/powerpoint/2010/main">
+    <mc:Choice Requires="p14">
       <p:transition spd="slow" p14:dur="3000">
         <p:cover/>
       </p:transition>
     </mc:Choice>
-    <mc:Fallback>
+    <mc:Fallback xmlns="">
       <p:transition spd="slow">
         <p:cover/>
       </p:transition>
@@ -3107,7 +3112,7 @@
         </p:spPr>
         <p:txBody>
           <a:bodyPr>
-            <a:normAutofit/>
+            <a:normAutofit fontScale="90000"/>
           </a:bodyPr>
           <a:lstStyle/>
           <a:p>
@@ -3118,7 +3123,22 @@
                   <a:schemeClr val="bg1"/>
                 </a:solidFill>
               </a:rPr>
-              <a:t>Fibonacci Numbers</a:t>
+              <a:t>Breadth First Search</a:t>
+            </a:r>
+            <a:br>
+              <a:rPr lang="en-US" sz="7200" dirty="0" smtClean="0">
+                <a:solidFill>
+                  <a:schemeClr val="bg1"/>
+                </a:solidFill>
+              </a:rPr>
+            </a:br>
+            <a:r>
+              <a:rPr lang="en-US" sz="7200" dirty="0" smtClean="0">
+                <a:solidFill>
+                  <a:schemeClr val="bg1"/>
+                </a:solidFill>
+              </a:rPr>
+              <a:t>in Graph</a:t>
             </a:r>
             <a:endParaRPr lang="en-US" sz="7200" dirty="0">
               <a:solidFill>
@@ -3138,13 +3158,13 @@
   <p:clrMapOvr>
     <a:masterClrMapping/>
   </p:clrMapOvr>
-  <mc:AlternateContent xmlns:mc="http://schemas.openxmlformats.org/markup-compatibility/2006">
-    <mc:Choice xmlns:p14="http://schemas.microsoft.com/office/powerpoint/2010/main" Requires="p14">
+  <mc:AlternateContent xmlns:mc="http://schemas.openxmlformats.org/markup-compatibility/2006" xmlns:p14="http://schemas.microsoft.com/office/powerpoint/2010/main">
+    <mc:Choice Requires="p14">
       <p:transition spd="slow" p14:dur="900">
         <p14:warp dir="in"/>
       </p:transition>
     </mc:Choice>
-    <mc:Fallback>
+    <mc:Fallback xmlns="">
       <p:transition spd="slow">
         <p:fade/>
       </p:transition>

--- a/intro.pptx
+++ b/intro.pptx
@@ -6,7 +6,6 @@
   </p:sldMasterIdLst>
   <p:sldIdLst>
     <p:sldId id="256" r:id="rId2"/>
-    <p:sldId id="257" r:id="rId3"/>
   </p:sldIdLst>
   <p:sldSz cx="12192000" cy="6858000"/>
   <p:notesSz cx="6858000" cy="9144000"/>
@@ -244,7 +243,7 @@
           <a:p>
             <a:fld id="{B3A11A1E-A219-4F7C-B0B4-29C6FF33A56A}" type="datetimeFigureOut">
               <a:rPr lang="en-US" smtClean="0"/>
-              <a:t>6/10/2020</a:t>
+              <a:t>6/11/2020</a:t>
             </a:fld>
             <a:endParaRPr lang="en-US"/>
           </a:p>
@@ -414,7 +413,7 @@
           <a:p>
             <a:fld id="{B3A11A1E-A219-4F7C-B0B4-29C6FF33A56A}" type="datetimeFigureOut">
               <a:rPr lang="en-US" smtClean="0"/>
-              <a:t>6/10/2020</a:t>
+              <a:t>6/11/2020</a:t>
             </a:fld>
             <a:endParaRPr lang="en-US"/>
           </a:p>
@@ -594,7 +593,7 @@
           <a:p>
             <a:fld id="{B3A11A1E-A219-4F7C-B0B4-29C6FF33A56A}" type="datetimeFigureOut">
               <a:rPr lang="en-US" smtClean="0"/>
-              <a:t>6/10/2020</a:t>
+              <a:t>6/11/2020</a:t>
             </a:fld>
             <a:endParaRPr lang="en-US"/>
           </a:p>
@@ -764,7 +763,7 @@
           <a:p>
             <a:fld id="{B3A11A1E-A219-4F7C-B0B4-29C6FF33A56A}" type="datetimeFigureOut">
               <a:rPr lang="en-US" smtClean="0"/>
-              <a:t>6/10/2020</a:t>
+              <a:t>6/11/2020</a:t>
             </a:fld>
             <a:endParaRPr lang="en-US"/>
           </a:p>
@@ -1010,7 +1009,7 @@
           <a:p>
             <a:fld id="{B3A11A1E-A219-4F7C-B0B4-29C6FF33A56A}" type="datetimeFigureOut">
               <a:rPr lang="en-US" smtClean="0"/>
-              <a:t>6/10/2020</a:t>
+              <a:t>6/11/2020</a:t>
             </a:fld>
             <a:endParaRPr lang="en-US"/>
           </a:p>
@@ -1242,7 +1241,7 @@
           <a:p>
             <a:fld id="{B3A11A1E-A219-4F7C-B0B4-29C6FF33A56A}" type="datetimeFigureOut">
               <a:rPr lang="en-US" smtClean="0"/>
-              <a:t>6/10/2020</a:t>
+              <a:t>6/11/2020</a:t>
             </a:fld>
             <a:endParaRPr lang="en-US"/>
           </a:p>
@@ -1609,7 +1608,7 @@
           <a:p>
             <a:fld id="{B3A11A1E-A219-4F7C-B0B4-29C6FF33A56A}" type="datetimeFigureOut">
               <a:rPr lang="en-US" smtClean="0"/>
-              <a:t>6/10/2020</a:t>
+              <a:t>6/11/2020</a:t>
             </a:fld>
             <a:endParaRPr lang="en-US"/>
           </a:p>
@@ -1727,7 +1726,7 @@
           <a:p>
             <a:fld id="{B3A11A1E-A219-4F7C-B0B4-29C6FF33A56A}" type="datetimeFigureOut">
               <a:rPr lang="en-US" smtClean="0"/>
-              <a:t>6/10/2020</a:t>
+              <a:t>6/11/2020</a:t>
             </a:fld>
             <a:endParaRPr lang="en-US"/>
           </a:p>
@@ -1822,7 +1821,7 @@
           <a:p>
             <a:fld id="{B3A11A1E-A219-4F7C-B0B4-29C6FF33A56A}" type="datetimeFigureOut">
               <a:rPr lang="en-US" smtClean="0"/>
-              <a:t>6/10/2020</a:t>
+              <a:t>6/11/2020</a:t>
             </a:fld>
             <a:endParaRPr lang="en-US"/>
           </a:p>
@@ -2099,7 +2098,7 @@
           <a:p>
             <a:fld id="{B3A11A1E-A219-4F7C-B0B4-29C6FF33A56A}" type="datetimeFigureOut">
               <a:rPr lang="en-US" smtClean="0"/>
-              <a:t>6/10/2020</a:t>
+              <a:t>6/11/2020</a:t>
             </a:fld>
             <a:endParaRPr lang="en-US"/>
           </a:p>
@@ -2352,7 +2351,7 @@
           <a:p>
             <a:fld id="{B3A11A1E-A219-4F7C-B0B4-29C6FF33A56A}" type="datetimeFigureOut">
               <a:rPr lang="en-US" smtClean="0"/>
-              <a:t>6/10/2020</a:t>
+              <a:t>6/11/2020</a:t>
             </a:fld>
             <a:endParaRPr lang="en-US"/>
           </a:p>
@@ -2568,7 +2567,7 @@
           <a:p>
             <a:fld id="{B3A11A1E-A219-4F7C-B0B4-29C6FF33A56A}" type="datetimeFigureOut">
               <a:rPr lang="en-US" smtClean="0"/>
-              <a:t>6/10/2020</a:t>
+              <a:t>6/11/2020</a:t>
             </a:fld>
             <a:endParaRPr lang="en-US"/>
           </a:p>
@@ -3077,109 +3076,6 @@
 </p:sld>
 </file>
 
-<file path=ppt/slides/slide2.xml><?xml version="1.0" encoding="utf-8"?>
-<p:sld xmlns:a="http://schemas.openxmlformats.org/drawingml/2006/main" xmlns:r="http://schemas.openxmlformats.org/officeDocument/2006/relationships" xmlns:p="http://schemas.openxmlformats.org/presentationml/2006/main">
-  <p:cSld>
-    <p:spTree>
-      <p:nvGrpSpPr>
-        <p:cNvPr id="1" name=""/>
-        <p:cNvGrpSpPr/>
-        <p:nvPr/>
-      </p:nvGrpSpPr>
-      <p:grpSpPr>
-        <a:xfrm>
-          <a:off x="0" y="0"/>
-          <a:ext cx="0" cy="0"/>
-          <a:chOff x="0" y="0"/>
-          <a:chExt cx="0" cy="0"/>
-        </a:xfrm>
-      </p:grpSpPr>
-      <p:sp>
-        <p:nvSpPr>
-          <p:cNvPr id="4" name="Title 3"/>
-          <p:cNvSpPr>
-            <a:spLocks noGrp="1"/>
-          </p:cNvSpPr>
-          <p:nvPr>
-            <p:ph type="title"/>
-          </p:nvPr>
-        </p:nvSpPr>
-        <p:spPr>
-          <a:xfrm>
-            <a:off x="838200" y="2766219"/>
-            <a:ext cx="10515600" cy="1325563"/>
-          </a:xfrm>
-        </p:spPr>
-        <p:txBody>
-          <a:bodyPr>
-            <a:normAutofit fontScale="90000"/>
-          </a:bodyPr>
-          <a:lstStyle/>
-          <a:p>
-            <a:pPr algn="ctr"/>
-            <a:r>
-              <a:rPr lang="en-US" sz="7200" dirty="0" smtClean="0">
-                <a:solidFill>
-                  <a:schemeClr val="bg1"/>
-                </a:solidFill>
-              </a:rPr>
-              <a:t>Breadth First Search</a:t>
-            </a:r>
-            <a:br>
-              <a:rPr lang="en-US" sz="7200" dirty="0" smtClean="0">
-                <a:solidFill>
-                  <a:schemeClr val="bg1"/>
-                </a:solidFill>
-              </a:rPr>
-            </a:br>
-            <a:r>
-              <a:rPr lang="en-US" sz="7200" dirty="0" smtClean="0">
-                <a:solidFill>
-                  <a:schemeClr val="bg1"/>
-                </a:solidFill>
-              </a:rPr>
-              <a:t>in Graph</a:t>
-            </a:r>
-            <a:endParaRPr lang="en-US" sz="7200" dirty="0">
-              <a:solidFill>
-                <a:schemeClr val="bg1"/>
-              </a:solidFill>
-            </a:endParaRPr>
-          </a:p>
-        </p:txBody>
-      </p:sp>
-    </p:spTree>
-    <p:extLst>
-      <p:ext uri="{BB962C8B-B14F-4D97-AF65-F5344CB8AC3E}">
-        <p14:creationId xmlns:p14="http://schemas.microsoft.com/office/powerpoint/2010/main" val="1355053510"/>
-      </p:ext>
-    </p:extLst>
-  </p:cSld>
-  <p:clrMapOvr>
-    <a:masterClrMapping/>
-  </p:clrMapOvr>
-  <mc:AlternateContent xmlns:mc="http://schemas.openxmlformats.org/markup-compatibility/2006" xmlns:p14="http://schemas.microsoft.com/office/powerpoint/2010/main">
-    <mc:Choice Requires="p14">
-      <p:transition spd="slow" p14:dur="900">
-        <p14:warp dir="in"/>
-      </p:transition>
-    </mc:Choice>
-    <mc:Fallback xmlns="">
-      <p:transition spd="slow">
-        <p:fade/>
-      </p:transition>
-    </mc:Fallback>
-  </mc:AlternateContent>
-  <p:timing>
-    <p:tnLst>
-      <p:par>
-        <p:cTn id="1" dur="indefinite" restart="never" nodeType="tmRoot"/>
-      </p:par>
-    </p:tnLst>
-  </p:timing>
-</p:sld>
-</file>
-
 <file path=ppt/theme/theme1.xml><?xml version="1.0" encoding="utf-8"?>
 <a:theme xmlns:a="http://schemas.openxmlformats.org/drawingml/2006/main" name="Office Theme">
   <a:themeElements>
